--- a/Project-3.pptx
+++ b/Project-3.pptx
@@ -7,10 +7,11 @@
   <p:sldIdLst>
     <p:sldId id="256" r:id="rId2"/>
     <p:sldId id="257" r:id="rId3"/>
-    <p:sldId id="258" r:id="rId4"/>
-    <p:sldId id="259" r:id="rId5"/>
+    <p:sldId id="259" r:id="rId4"/>
+    <p:sldId id="258" r:id="rId5"/>
     <p:sldId id="260" r:id="rId6"/>
     <p:sldId id="261" r:id="rId7"/>
+    <p:sldId id="262" r:id="rId8"/>
   </p:sldIdLst>
   <p:sldSz cx="12192000" cy="6858000"/>
   <p:notesSz cx="6858000" cy="9144000"/>
@@ -7672,11 +7673,7 @@
           <a:p>
             <a:r>
               <a:rPr lang="en-US" sz="2800" dirty="0" smtClean="0"/>
-              <a:t>By Forrest </a:t>
-            </a:r>
-            <a:r>
-              <a:rPr lang="en-US" sz="2800" dirty="0" smtClean="0"/>
-              <a:t>Wong , Andres Amado, </a:t>
+              <a:t>By Forrest Wong , Andres Amado, </a:t>
             </a:r>
             <a:r>
               <a:rPr lang="en-US" sz="2800" dirty="0" err="1" smtClean="0"/>
@@ -7757,8 +7754,8 @@
         </p:nvSpPr>
         <p:spPr>
           <a:xfrm>
-            <a:off x="1941095" y="1395663"/>
-            <a:ext cx="9946105" cy="4893647"/>
+            <a:off x="1941096" y="1395663"/>
+            <a:ext cx="5271074" cy="4524315"/>
           </a:xfrm>
           <a:prstGeom prst="rect">
             <a:avLst/>
@@ -7771,18 +7768,33 @@
           </a:bodyPr>
           <a:lstStyle/>
           <a:p>
+            <a:endParaRPr lang="en-US" sz="2400" dirty="0" smtClean="0"/>
+          </a:p>
+          <a:p>
+            <a:pPr marL="342900" indent="-342900">
+              <a:buFontTx/>
+              <a:buChar char="-"/>
+            </a:pPr>
             <a:r>
               <a:rPr lang="en-US" sz="2400" dirty="0" smtClean="0"/>
-              <a:t>- Build a puzzle of 15 tile using JavaScript</a:t>
+              <a:t>Build </a:t>
+            </a:r>
+            <a:r>
+              <a:rPr lang="en-US" sz="2400" dirty="0"/>
+              <a:t>a puzzle of 15 tile using JavaScript</a:t>
             </a:r>
           </a:p>
           <a:p>
             <a:endParaRPr lang="en-US" sz="2400" dirty="0"/>
           </a:p>
           <a:p>
-            <a:r>
-              <a:rPr lang="en-US" sz="2400" dirty="0" smtClean="0"/>
-              <a:t>- User will get a jumbled puzzle of 15 tile and using the mouse in order to move, user will have to solve it. </a:t>
+            <a:pPr marL="342900" indent="-342900">
+              <a:buFontTx/>
+              <a:buChar char="-"/>
+            </a:pPr>
+            <a:r>
+              <a:rPr lang="en-US" sz="2400" dirty="0"/>
+              <a:t>User will get a jumbled puzzle of 15 tile and using the mouse in order to move, user will have to solve it. </a:t>
             </a:r>
           </a:p>
           <a:p>
@@ -7799,15 +7811,20 @@
             </a:pPr>
             <a:r>
               <a:rPr lang="en-US" sz="2400" dirty="0" smtClean="0"/>
-              <a:t>The shuffle button under the puzzle will re shuffle the puzzle for the users. </a:t>
-            </a:r>
+              <a:t>The </a:t>
+            </a:r>
+            <a:r>
+              <a:rPr lang="en-US" sz="2400" dirty="0" smtClean="0"/>
+              <a:t>shuffle button under the puzzle will re shuffle the puzzle for the users. </a:t>
+            </a:r>
+            <a:endParaRPr lang="en-US" sz="2400" dirty="0" smtClean="0"/>
           </a:p>
           <a:p>
             <a:pPr marL="342900" indent="-342900">
               <a:buFontTx/>
               <a:buChar char="-"/>
             </a:pPr>
-            <a:endParaRPr lang="en-US" sz="2400" dirty="0"/>
+            <a:endParaRPr lang="en-US" sz="2400" dirty="0" smtClean="0"/>
           </a:p>
           <a:p>
             <a:pPr marL="342900" indent="-342900">
@@ -7816,52 +7833,36 @@
             </a:pPr>
             <a:r>
               <a:rPr lang="en-US" sz="2400" dirty="0" smtClean="0"/>
-              <a:t>Files </a:t>
-            </a:r>
-          </a:p>
-          <a:p>
-            <a:pPr marL="342900" indent="-342900">
-              <a:buFontTx/>
-              <a:buChar char="-"/>
-            </a:pPr>
-            <a:r>
-              <a:rPr lang="en-US" sz="2400" dirty="0" smtClean="0"/>
-              <a:t>…</a:t>
-            </a:r>
-          </a:p>
-          <a:p>
-            <a:pPr marL="342900" indent="-342900">
-              <a:buFontTx/>
-              <a:buChar char="-"/>
-            </a:pPr>
-            <a:r>
-              <a:rPr lang="en-US" sz="2400" dirty="0" smtClean="0"/>
-              <a:t>...</a:t>
-            </a:r>
-          </a:p>
-          <a:p>
-            <a:pPr marL="342900" indent="-342900">
-              <a:buFontTx/>
-              <a:buChar char="-"/>
-            </a:pPr>
-            <a:r>
-              <a:rPr lang="en-US" sz="2400" dirty="0" smtClean="0"/>
-              <a:t>...</a:t>
-            </a:r>
-          </a:p>
-          <a:p>
-            <a:pPr marL="342900" indent="-342900">
-              <a:buFontTx/>
-              <a:buChar char="-"/>
-            </a:pPr>
-            <a:r>
-              <a:rPr lang="en-US" sz="2400" dirty="0" smtClean="0"/>
-              <a:t>…</a:t>
-            </a:r>
-            <a:endParaRPr lang="en-US" sz="2400" dirty="0"/>
-          </a:p>
-        </p:txBody>
-      </p:sp>
+              <a:t>Before a move is made, the code will check if the tile is adjacent to the blank tile or not.</a:t>
+            </a:r>
+            <a:endParaRPr lang="en-US" sz="2400" dirty="0" smtClean="0"/>
+          </a:p>
+        </p:txBody>
+      </p:sp>
+      <p:pic>
+        <p:nvPicPr>
+          <p:cNvPr id="4" name="Picture 3"/>
+          <p:cNvPicPr>
+            <a:picLocks noChangeAspect="1"/>
+          </p:cNvPicPr>
+          <p:nvPr/>
+        </p:nvPicPr>
+        <p:blipFill>
+          <a:blip r:embed="rId2"/>
+          <a:stretch>
+            <a:fillRect/>
+          </a:stretch>
+        </p:blipFill>
+        <p:spPr>
+          <a:xfrm>
+            <a:off x="7482626" y="1395663"/>
+            <a:ext cx="4262906" cy="4712760"/>
+          </a:xfrm>
+          <a:prstGeom prst="rect">
+            <a:avLst/>
+          </a:prstGeom>
+        </p:spPr>
+      </p:pic>
     </p:spTree>
     <p:extLst>
       <p:ext uri="{BB962C8B-B14F-4D97-AF65-F5344CB8AC3E}">
@@ -7910,16 +7911,88 @@
             <a:pPr algn="ctr"/>
             <a:r>
               <a:rPr lang="en-US" dirty="0" smtClean="0"/>
-              <a:t>Code snippet </a:t>
+              <a:t>Code snippet</a:t>
             </a:r>
             <a:endParaRPr lang="en-US" dirty="0"/>
           </a:p>
         </p:txBody>
       </p:sp>
+      <p:pic>
+        <p:nvPicPr>
+          <p:cNvPr id="3" name="Picture 2"/>
+          <p:cNvPicPr>
+            <a:picLocks noChangeAspect="1"/>
+          </p:cNvPicPr>
+          <p:nvPr/>
+        </p:nvPicPr>
+        <p:blipFill>
+          <a:blip r:embed="rId2"/>
+          <a:stretch>
+            <a:fillRect/>
+          </a:stretch>
+        </p:blipFill>
+        <p:spPr>
+          <a:xfrm>
+            <a:off x="1291778" y="1812970"/>
+            <a:ext cx="8026844" cy="4819650"/>
+          </a:xfrm>
+          <a:prstGeom prst="rect">
+            <a:avLst/>
+          </a:prstGeom>
+        </p:spPr>
+      </p:pic>
+      <p:pic>
+        <p:nvPicPr>
+          <p:cNvPr id="5" name="Picture 4"/>
+          <p:cNvPicPr>
+            <a:picLocks noChangeAspect="1"/>
+          </p:cNvPicPr>
+          <p:nvPr/>
+        </p:nvPicPr>
+        <p:blipFill>
+          <a:blip r:embed="rId3"/>
+          <a:stretch>
+            <a:fillRect/>
+          </a:stretch>
+        </p:blipFill>
+        <p:spPr>
+          <a:xfrm>
+            <a:off x="665946" y="1264555"/>
+            <a:ext cx="5829300" cy="323850"/>
+          </a:xfrm>
+          <a:prstGeom prst="rect">
+            <a:avLst/>
+          </a:prstGeom>
+        </p:spPr>
+      </p:pic>
+      <p:pic>
+        <p:nvPicPr>
+          <p:cNvPr id="6" name="Picture 5"/>
+          <p:cNvPicPr>
+            <a:picLocks noChangeAspect="1"/>
+          </p:cNvPicPr>
+          <p:nvPr/>
+        </p:nvPicPr>
+        <p:blipFill>
+          <a:blip r:embed="rId4"/>
+          <a:stretch>
+            <a:fillRect/>
+          </a:stretch>
+        </p:blipFill>
+        <p:spPr>
+          <a:xfrm>
+            <a:off x="8422224" y="624110"/>
+            <a:ext cx="3003972" cy="2996820"/>
+          </a:xfrm>
+          <a:prstGeom prst="rect">
+            <a:avLst/>
+          </a:prstGeom>
+        </p:spPr>
+      </p:pic>
     </p:spTree>
     <p:extLst>
       <p:ext uri="{BB962C8B-B14F-4D97-AF65-F5344CB8AC3E}">
-        <p14:creationId xmlns:p14="http://schemas.microsoft.com/office/powerpoint/2010/main" val="2666888436"/>
+        <p14:creationId xmlns:p14="http://schemas.microsoft.com/office/powerpoint/2010/main" val="3107487165"/>
       </p:ext>
     </p:extLst>
   </p:cSld>
@@ -7964,16 +8037,64 @@
             <a:pPr algn="ctr"/>
             <a:r>
               <a:rPr lang="en-US" dirty="0" smtClean="0"/>
-              <a:t>Code snippet</a:t>
+              <a:t>Code snippet </a:t>
             </a:r>
             <a:endParaRPr lang="en-US" dirty="0"/>
           </a:p>
         </p:txBody>
       </p:sp>
+      <p:pic>
+        <p:nvPicPr>
+          <p:cNvPr id="3" name="Picture 2"/>
+          <p:cNvPicPr>
+            <a:picLocks noChangeAspect="1"/>
+          </p:cNvPicPr>
+          <p:nvPr/>
+        </p:nvPicPr>
+        <p:blipFill>
+          <a:blip r:embed="rId2"/>
+          <a:stretch>
+            <a:fillRect/>
+          </a:stretch>
+        </p:blipFill>
+        <p:spPr>
+          <a:xfrm>
+            <a:off x="1460746" y="1625163"/>
+            <a:ext cx="6334125" cy="2819400"/>
+          </a:xfrm>
+          <a:prstGeom prst="rect">
+            <a:avLst/>
+          </a:prstGeom>
+        </p:spPr>
+      </p:pic>
+      <p:pic>
+        <p:nvPicPr>
+          <p:cNvPr id="4" name="Picture 3"/>
+          <p:cNvPicPr>
+            <a:picLocks noChangeAspect="1"/>
+          </p:cNvPicPr>
+          <p:nvPr/>
+        </p:nvPicPr>
+        <p:blipFill>
+          <a:blip r:embed="rId3"/>
+          <a:stretch>
+            <a:fillRect/>
+          </a:stretch>
+        </p:blipFill>
+        <p:spPr>
+          <a:xfrm>
+            <a:off x="2967574" y="4989690"/>
+            <a:ext cx="6000750" cy="1323975"/>
+          </a:xfrm>
+          <a:prstGeom prst="rect">
+            <a:avLst/>
+          </a:prstGeom>
+        </p:spPr>
+      </p:pic>
     </p:spTree>
     <p:extLst>
       <p:ext uri="{BB962C8B-B14F-4D97-AF65-F5344CB8AC3E}">
-        <p14:creationId xmlns:p14="http://schemas.microsoft.com/office/powerpoint/2010/main" val="3107487165"/>
+        <p14:creationId xmlns:p14="http://schemas.microsoft.com/office/powerpoint/2010/main" val="2666888436"/>
       </p:ext>
     </p:extLst>
   </p:cSld>
@@ -8024,6 +8145,54 @@
           </a:p>
         </p:txBody>
       </p:sp>
+      <p:pic>
+        <p:nvPicPr>
+          <p:cNvPr id="3" name="Picture 2"/>
+          <p:cNvPicPr>
+            <a:picLocks noChangeAspect="1"/>
+          </p:cNvPicPr>
+          <p:nvPr/>
+        </p:nvPicPr>
+        <p:blipFill>
+          <a:blip r:embed="rId2"/>
+          <a:stretch>
+            <a:fillRect/>
+          </a:stretch>
+        </p:blipFill>
+        <p:spPr>
+          <a:xfrm>
+            <a:off x="1587053" y="1686864"/>
+            <a:ext cx="6210300" cy="2247900"/>
+          </a:xfrm>
+          <a:prstGeom prst="rect">
+            <a:avLst/>
+          </a:prstGeom>
+        </p:spPr>
+      </p:pic>
+      <p:pic>
+        <p:nvPicPr>
+          <p:cNvPr id="4" name="Picture 3"/>
+          <p:cNvPicPr>
+            <a:picLocks noChangeAspect="1"/>
+          </p:cNvPicPr>
+          <p:nvPr/>
+        </p:nvPicPr>
+        <p:blipFill>
+          <a:blip r:embed="rId3"/>
+          <a:stretch>
+            <a:fillRect/>
+          </a:stretch>
+        </p:blipFill>
+        <p:spPr>
+          <a:xfrm>
+            <a:off x="3303900" y="4421545"/>
+            <a:ext cx="7000875" cy="1724025"/>
+          </a:xfrm>
+          <a:prstGeom prst="rect">
+            <a:avLst/>
+          </a:prstGeom>
+        </p:spPr>
+      </p:pic>
     </p:spTree>
     <p:extLst>
       <p:ext uri="{BB962C8B-B14F-4D97-AF65-F5344CB8AC3E}">
@@ -8071,15 +8240,17 @@
           </a:xfrm>
         </p:spPr>
         <p:txBody>
-          <a:bodyPr/>
+          <a:bodyPr>
+            <a:normAutofit/>
+          </a:bodyPr>
           <a:lstStyle/>
           <a:p>
             <a:pPr algn="ctr"/>
             <a:r>
-              <a:rPr lang="en-US" dirty="0" smtClean="0"/>
+              <a:rPr lang="en-US" sz="6000" dirty="0" smtClean="0"/>
               <a:t>DEMO</a:t>
             </a:r>
-            <a:endParaRPr lang="en-US" dirty="0"/>
+            <a:endParaRPr lang="en-US" sz="6000" dirty="0"/>
           </a:p>
         </p:txBody>
       </p:sp>
@@ -8087,6 +8258,67 @@
     <p:extLst>
       <p:ext uri="{BB962C8B-B14F-4D97-AF65-F5344CB8AC3E}">
         <p14:creationId xmlns:p14="http://schemas.microsoft.com/office/powerpoint/2010/main" val="1226608763"/>
+      </p:ext>
+    </p:extLst>
+  </p:cSld>
+  <p:clrMapOvr>
+    <a:masterClrMapping/>
+  </p:clrMapOvr>
+</p:sld>
+</file>
+
+<file path=ppt/slides/slide7.xml><?xml version="1.0" encoding="utf-8"?>
+<p:sld xmlns:a="http://schemas.openxmlformats.org/drawingml/2006/main" xmlns:r="http://schemas.openxmlformats.org/officeDocument/2006/relationships" xmlns:p="http://schemas.openxmlformats.org/presentationml/2006/main">
+  <p:cSld>
+    <p:spTree>
+      <p:nvGrpSpPr>
+        <p:cNvPr id="1" name=""/>
+        <p:cNvGrpSpPr/>
+        <p:nvPr/>
+      </p:nvGrpSpPr>
+      <p:grpSpPr>
+        <a:xfrm>
+          <a:off x="0" y="0"/>
+          <a:ext cx="0" cy="0"/>
+          <a:chOff x="0" y="0"/>
+          <a:chExt cx="0" cy="0"/>
+        </a:xfrm>
+      </p:grpSpPr>
+      <p:sp>
+        <p:nvSpPr>
+          <p:cNvPr id="2" name="Title 1"/>
+          <p:cNvSpPr>
+            <a:spLocks noGrp="1"/>
+          </p:cNvSpPr>
+          <p:nvPr>
+            <p:ph type="title"/>
+          </p:nvPr>
+        </p:nvSpPr>
+        <p:spPr>
+          <a:xfrm>
+            <a:off x="1854987" y="2517078"/>
+            <a:ext cx="8911687" cy="1280890"/>
+          </a:xfrm>
+        </p:spPr>
+        <p:txBody>
+          <a:bodyPr>
+            <a:normAutofit/>
+          </a:bodyPr>
+          <a:lstStyle/>
+          <a:p>
+            <a:pPr algn="ctr"/>
+            <a:r>
+              <a:rPr lang="en-US" sz="6000" dirty="0" smtClean="0"/>
+              <a:t>Q&amp;A</a:t>
+            </a:r>
+            <a:endParaRPr lang="en-US" sz="6000" dirty="0"/>
+          </a:p>
+        </p:txBody>
+      </p:sp>
+    </p:spTree>
+    <p:extLst>
+      <p:ext uri="{BB962C8B-B14F-4D97-AF65-F5344CB8AC3E}">
+        <p14:creationId xmlns:p14="http://schemas.microsoft.com/office/powerpoint/2010/main" val="2488294635"/>
       </p:ext>
     </p:extLst>
   </p:cSld>
